--- a/sprints/Sprint 5 - Nov 20 -  Nov 26 - Review.pptx
+++ b/sprints/Sprint 5 - Nov 20 -  Nov 26 - Review.pptx
@@ -198,7 +198,7 @@
           <a:p>
             <a:fld id="{68B00D8E-BD79-47BE-AA74-0D4716B611F1}" type="datetimeFigureOut">
               <a:rPr lang="en-US" smtClean="0"/>
-              <a:t>11/26/2016</a:t>
+              <a:t>12/13/2016</a:t>
             </a:fld>
             <a:endParaRPr lang="en-US"/>
           </a:p>
@@ -555,7 +555,7 @@
             <a:fld id="{81331B57-0BE5-4F82-AA58-76F53EFF3ADA}" type="datetime8">
               <a:rPr lang="en-US" smtClean="0"/>
               <a:pPr/>
-              <a:t>11/26/2016 4:58 PM</a:t>
+              <a:t>12/13/2016 5:02 PM</a:t>
             </a:fld>
             <a:endParaRPr lang="en-US" dirty="0"/>
           </a:p>
@@ -750,7 +750,7 @@
             <a:fld id="{81331B57-0BE5-4F82-AA58-76F53EFF3ADA}" type="datetime8">
               <a:rPr lang="en-US" smtClean="0"/>
               <a:pPr/>
-              <a:t>11/26/2016 4:58 PM</a:t>
+              <a:t>12/13/2016 5:02 PM</a:t>
             </a:fld>
             <a:endParaRPr lang="en-US"/>
           </a:p>
@@ -935,7 +935,7 @@
             <a:fld id="{81331B57-0BE5-4F82-AA58-76F53EFF3ADA}" type="datetime8">
               <a:rPr lang="en-US" smtClean="0"/>
               <a:pPr/>
-              <a:t>11/26/2016 4:58 PM</a:t>
+              <a:t>12/13/2016 5:02 PM</a:t>
             </a:fld>
             <a:endParaRPr lang="en-US"/>
           </a:p>
@@ -1120,7 +1120,7 @@
             <a:fld id="{81331B57-0BE5-4F82-AA58-76F53EFF3ADA}" type="datetime8">
               <a:rPr lang="en-US" smtClean="0"/>
               <a:pPr/>
-              <a:t>11/26/2016 4:58 PM</a:t>
+              <a:t>12/13/2016 5:02 PM</a:t>
             </a:fld>
             <a:endParaRPr lang="en-US"/>
           </a:p>
@@ -1305,7 +1305,7 @@
             <a:fld id="{81331B57-0BE5-4F82-AA58-76F53EFF3ADA}" type="datetime8">
               <a:rPr lang="en-US" smtClean="0"/>
               <a:pPr/>
-              <a:t>11/26/2016 4:58 PM</a:t>
+              <a:t>12/13/2016 5:02 PM</a:t>
             </a:fld>
             <a:endParaRPr lang="en-US"/>
           </a:p>
@@ -1490,7 +1490,7 @@
             <a:fld id="{81331B57-0BE5-4F82-AA58-76F53EFF3ADA}" type="datetime8">
               <a:rPr lang="en-US" smtClean="0"/>
               <a:pPr/>
-              <a:t>11/26/2016 4:58 PM</a:t>
+              <a:t>12/13/2016 5:02 PM</a:t>
             </a:fld>
             <a:endParaRPr lang="en-US"/>
           </a:p>
@@ -5016,17 +5016,7 @@
                   </a:schemeClr>
                 </a:solidFill>
               </a:rPr>
-              <a:t>(2 story pts</a:t>
-            </a:r>
-            <a:r>
-              <a:rPr lang="en-US" dirty="0" smtClean="0">
-                <a:solidFill>
-                  <a:schemeClr val="tx1">
-                    <a:lumMod val="65000"/>
-                  </a:schemeClr>
-                </a:solidFill>
-              </a:rPr>
-              <a:t>) – 100% Completed</a:t>
+              <a:t>(2 story pts) – 100% Completed</a:t>
             </a:r>
             <a:endParaRPr lang="en-US" dirty="0" smtClean="0"/>
           </a:p>
@@ -5049,17 +5039,7 @@
                   </a:schemeClr>
                 </a:solidFill>
               </a:rPr>
-              <a:t>: </a:t>
-            </a:r>
-            <a:r>
-              <a:rPr lang="en-US" smtClean="0">
-                <a:solidFill>
-                  <a:schemeClr val="tx1">
-                    <a:lumMod val="65000"/>
-                  </a:schemeClr>
-                </a:solidFill>
-              </a:rPr>
-              <a:t>7</a:t>
+              <a:t>: 7</a:t>
             </a:r>
             <a:endParaRPr lang="en-US" dirty="0" smtClean="0">
               <a:solidFill>
@@ -5168,48 +5148,66 @@
           <a:p>
             <a:pPr lvl="1"/>
             <a:r>
+              <a:rPr lang="en-US" dirty="0" smtClean="0"/>
+              <a:t>Fixed </a:t>
+            </a:r>
+            <a:r>
+              <a:rPr lang="en-US" dirty="0" err="1" smtClean="0"/>
+              <a:t>LinkCSV</a:t>
+            </a:r>
+            <a:r>
+              <a:rPr lang="en-US" dirty="0" smtClean="0"/>
+              <a:t> test case </a:t>
+            </a:r>
+            <a:r>
+              <a:rPr lang="en-US" dirty="0" smtClean="0"/>
+              <a:t>fails </a:t>
+            </a:r>
+            <a:r>
               <a:rPr lang="en-US" dirty="0" smtClean="0">
                 <a:solidFill>
-                  <a:schemeClr val="accent5">
-                    <a:lumMod val="50000"/>
+                  <a:schemeClr val="tx1">
+                    <a:lumMod val="65000"/>
                   </a:schemeClr>
                 </a:solidFill>
               </a:rPr>
-              <a:t>Fixed </a:t>
-            </a:r>
-            <a:r>
-              <a:rPr lang="en-US" dirty="0" err="1" smtClean="0">
+              <a:t>- Done</a:t>
+            </a:r>
+            <a:endParaRPr lang="en-US" dirty="0" smtClean="0">
+              <a:solidFill>
+                <a:schemeClr val="tx1">
+                  <a:lumMod val="65000"/>
+                </a:schemeClr>
+              </a:solidFill>
+            </a:endParaRPr>
+          </a:p>
+          <a:p>
+            <a:pPr lvl="1"/>
+            <a:r>
+              <a:rPr lang="en-US" dirty="0" smtClean="0"/>
+              <a:t>Fixed Nulls instead of separator in SV </a:t>
+            </a:r>
+            <a:r>
+              <a:rPr lang="en-US" dirty="0" smtClean="0"/>
+              <a:t>store </a:t>
+            </a:r>
+            <a:r>
+              <a:rPr lang="en-US" dirty="0" smtClean="0">
                 <a:solidFill>
-                  <a:schemeClr val="accent5">
-                    <a:lumMod val="50000"/>
+                  <a:schemeClr val="tx1">
+                    <a:lumMod val="65000"/>
                   </a:schemeClr>
                 </a:solidFill>
               </a:rPr>
-              <a:t>LinkCSV</a:t>
-            </a:r>
-            <a:r>
-              <a:rPr lang="en-US" dirty="0" smtClean="0">
-                <a:solidFill>
-                  <a:schemeClr val="accent5">
-                    <a:lumMod val="50000"/>
-                  </a:schemeClr>
-                </a:solidFill>
-              </a:rPr>
-              <a:t> test case fails</a:t>
-            </a:r>
-          </a:p>
-          <a:p>
-            <a:pPr lvl="1"/>
-            <a:r>
-              <a:rPr lang="en-US" dirty="0" smtClean="0">
-                <a:solidFill>
-                  <a:schemeClr val="accent5">
-                    <a:lumMod val="50000"/>
-                  </a:schemeClr>
-                </a:solidFill>
-              </a:rPr>
-              <a:t>Fixed Nulls instead of separator in SV store</a:t>
-            </a:r>
+              <a:t>- Done</a:t>
+            </a:r>
+            <a:endParaRPr lang="en-US" dirty="0" smtClean="0">
+              <a:solidFill>
+                <a:schemeClr val="tx1">
+                  <a:lumMod val="65000"/>
+                </a:schemeClr>
+              </a:solidFill>
+            </a:endParaRPr>
           </a:p>
           <a:p>
             <a:pPr lvl="1"/>
@@ -5346,16 +5344,37 @@
           <a:p>
             <a:r>
               <a:rPr lang="en-US" dirty="0" smtClean="0"/>
-              <a:t>Redesign README.md</a:t>
-            </a:r>
-          </a:p>
-          <a:p>
-            <a:pPr lvl="1"/>
+              <a:t>Redesign </a:t>
+            </a:r>
+            <a:r>
+              <a:rPr lang="en-US" dirty="0" smtClean="0"/>
+              <a:t>README.md </a:t>
+            </a:r>
             <a:r>
               <a:rPr lang="en-US" dirty="0" smtClean="0">
                 <a:solidFill>
-                  <a:schemeClr val="accent5">
-                    <a:lumMod val="50000"/>
+                  <a:schemeClr val="tx1">
+                    <a:lumMod val="65000"/>
+                  </a:schemeClr>
+                </a:solidFill>
+              </a:rPr>
+              <a:t>[ Done ]</a:t>
+            </a:r>
+            <a:endParaRPr lang="en-US" dirty="0" smtClean="0">
+              <a:solidFill>
+                <a:schemeClr val="tx1">
+                  <a:lumMod val="65000"/>
+                </a:schemeClr>
+              </a:solidFill>
+            </a:endParaRPr>
+          </a:p>
+          <a:p>
+            <a:pPr lvl="1"/>
+            <a:r>
+              <a:rPr lang="en-US" dirty="0" smtClean="0">
+                <a:solidFill>
+                  <a:schemeClr val="tx1">
+                    <a:lumMod val="65000"/>
                   </a:schemeClr>
                 </a:solidFill>
               </a:rPr>
@@ -5367,8 +5386,8 @@
             <a:r>
               <a:rPr lang="en-US" dirty="0" smtClean="0">
                 <a:solidFill>
-                  <a:schemeClr val="accent5">
-                    <a:lumMod val="50000"/>
+                  <a:schemeClr val="tx1">
+                    <a:lumMod val="65000"/>
                   </a:schemeClr>
                 </a:solidFill>
               </a:rPr>
@@ -5380,8 +5399,8 @@
             <a:r>
               <a:rPr lang="en-US" dirty="0" smtClean="0">
                 <a:solidFill>
-                  <a:schemeClr val="accent5">
-                    <a:lumMod val="50000"/>
+                  <a:schemeClr val="tx1">
+                    <a:lumMod val="65000"/>
                   </a:schemeClr>
                 </a:solidFill>
               </a:rPr>
@@ -5503,32 +5522,25 @@
           <a:p>
             <a:r>
               <a:rPr lang="en-US" dirty="0"/>
-              <a:t>Add Support for other Data Stores</a:t>
-            </a:r>
+              <a:t>Add Support for other Data </a:t>
+            </a:r>
+            <a:r>
+              <a:rPr lang="en-US" dirty="0" smtClean="0"/>
+              <a:t>Stores [ Done ]</a:t>
+            </a:r>
+            <a:endParaRPr lang="en-US" dirty="0"/>
           </a:p>
           <a:p>
             <a:pPr lvl="1"/>
             <a:r>
-              <a:rPr lang="en-US" dirty="0">
-                <a:solidFill>
-                  <a:schemeClr val="accent5">
-                    <a:lumMod val="50000"/>
-                  </a:schemeClr>
-                </a:solidFill>
-              </a:rPr>
+              <a:rPr lang="en-US" dirty="0"/>
               <a:t>JSON (Document)</a:t>
             </a:r>
           </a:p>
           <a:p>
             <a:pPr lvl="1"/>
             <a:r>
-              <a:rPr lang="en-US" dirty="0">
-                <a:solidFill>
-                  <a:schemeClr val="accent5">
-                    <a:lumMod val="50000"/>
-                  </a:schemeClr>
-                </a:solidFill>
-              </a:rPr>
+              <a:rPr lang="en-US" dirty="0"/>
               <a:t>SV (Columnar)</a:t>
             </a:r>
           </a:p>
@@ -5545,45 +5557,28 @@
             </a:r>
             <a:r>
               <a:rPr lang="en-US" dirty="0" smtClean="0"/>
-              <a:t>function</a:t>
-            </a:r>
+              <a:t>function [ Done ]</a:t>
+            </a:r>
+            <a:endParaRPr lang="en-US" dirty="0" smtClean="0"/>
           </a:p>
           <a:p>
             <a:pPr lvl="1"/>
             <a:r>
-              <a:rPr lang="en-US" dirty="0" smtClean="0">
-                <a:solidFill>
-                  <a:schemeClr val="accent5">
-                    <a:lumMod val="50000"/>
-                  </a:schemeClr>
-                </a:solidFill>
-              </a:rPr>
+              <a:rPr lang="en-US" dirty="0" smtClean="0"/>
               <a:t>Fixed Record</a:t>
             </a:r>
           </a:p>
           <a:p>
             <a:pPr lvl="1"/>
             <a:r>
-              <a:rPr lang="en-US" dirty="0" smtClean="0">
-                <a:solidFill>
-                  <a:schemeClr val="accent5">
-                    <a:lumMod val="50000"/>
-                  </a:schemeClr>
-                </a:solidFill>
-              </a:rPr>
+              <a:rPr lang="en-US" dirty="0" smtClean="0"/>
               <a:t>JSON</a:t>
             </a:r>
           </a:p>
           <a:p>
             <a:pPr lvl="1"/>
             <a:r>
-              <a:rPr lang="en-US" dirty="0" smtClean="0">
-                <a:solidFill>
-                  <a:schemeClr val="accent5">
-                    <a:lumMod val="50000"/>
-                  </a:schemeClr>
-                </a:solidFill>
-              </a:rPr>
+              <a:rPr lang="en-US" dirty="0" smtClean="0"/>
               <a:t>SV</a:t>
             </a:r>
           </a:p>
@@ -5694,19 +5689,18 @@
           <a:p>
             <a:r>
               <a:rPr lang="en-US" dirty="0" smtClean="0"/>
-              <a:t>Round out existing web services</a:t>
-            </a:r>
+              <a:t>Round out existing web </a:t>
+            </a:r>
+            <a:r>
+              <a:rPr lang="en-US" dirty="0" smtClean="0"/>
+              <a:t>services [ Done ]</a:t>
+            </a:r>
+            <a:endParaRPr lang="en-US" dirty="0" smtClean="0"/>
           </a:p>
           <a:p>
             <a:pPr lvl="1"/>
             <a:r>
-              <a:rPr lang="en-US" dirty="0" smtClean="0">
-                <a:solidFill>
-                  <a:schemeClr val="accent5">
-                    <a:lumMod val="50000"/>
-                  </a:schemeClr>
-                </a:solidFill>
-              </a:rPr>
+              <a:rPr lang="en-US" dirty="0" smtClean="0"/>
               <a:t>Complete Parse / Schema</a:t>
             </a:r>
           </a:p>
@@ -5718,15 +5712,14 @@
           </a:p>
           <a:p>
             <a:r>
-              <a:rPr lang="en-US" dirty="0" smtClean="0">
-                <a:solidFill>
-                  <a:schemeClr val="accent5">
-                    <a:lumMod val="50000"/>
-                  </a:schemeClr>
-                </a:solidFill>
-              </a:rPr>
-              <a:t>Update documentation</a:t>
-            </a:r>
+              <a:rPr lang="en-US" smtClean="0"/>
+              <a:t>Update </a:t>
+            </a:r>
+            <a:r>
+              <a:rPr lang="en-US" smtClean="0"/>
+              <a:t>documentation [ Done ]</a:t>
+            </a:r>
+            <a:endParaRPr lang="en-US" dirty="0" smtClean="0"/>
           </a:p>
           <a:p>
             <a:endParaRPr lang="en-US" dirty="0" smtClean="0"/>
